--- a/_site/translations/en-us/RobotGame/EngineeringJournal.pptx
+++ b/_site/translations/en-us/RobotGame/EngineeringJournal.pptx
@@ -116,6 +116,11 @@
       </a:defRPr>
     </a:lvl9pPr>
   </p:defaultTextStyle>
+  <p:extLst>
+    <p:ext uri="{EFAFB233-063F-42B5-8137-9DF3F51BA10A}">
+      <p15:sldGuideLst xmlns:p15="http://schemas.microsoft.com/office/powerpoint/2012/main"/>
+    </p:ext>
+  </p:extLst>
 </p:presentation>
 </file>
 
@@ -201,7 +206,7 @@
           <a:p>
             <a:fld id="{C528CD71-4833-D241-9C24-E07BA428460D}" type="datetimeFigureOut">
               <a:rPr lang="en-US" smtClean="0"/>
-              <a:t>6/9/18</a:t>
+              <a:t>10/27/22</a:t>
             </a:fld>
             <a:endParaRPr lang="en-US"/>
           </a:p>
@@ -725,7 +730,7 @@
             </a:r>
             <a:fld id="{96C5804F-0729-E148-8D77-96C0C8F047CE}" type="datetime1">
               <a:rPr lang="en-US" smtClean="0"/>
-              <a:t>6/9/18</a:t>
+              <a:t>10/27/22</a:t>
             </a:fld>
             <a:endParaRPr lang="en-US" dirty="0"/>
           </a:p>
@@ -1035,7 +1040,7 @@
           <a:p>
             <a:fld id="{C866EDB2-EA70-1D4A-8C63-A5BEDD8BB759}" type="datetime1">
               <a:rPr lang="en-US" smtClean="0"/>
-              <a:t>6/9/18</a:t>
+              <a:t>10/27/22</a:t>
             </a:fld>
             <a:endParaRPr lang="en-US" dirty="0"/>
           </a:p>
@@ -1294,7 +1299,7 @@
           <a:p>
             <a:fld id="{D48E18BB-EA55-804C-A003-BED93677F60F}" type="datetime1">
               <a:rPr lang="en-US" smtClean="0"/>
-              <a:t>6/9/18</a:t>
+              <a:t>10/27/22</a:t>
             </a:fld>
             <a:endParaRPr lang="en-US" dirty="0"/>
           </a:p>
@@ -1574,7 +1579,7 @@
             </a:r>
             <a:fld id="{693A40A6-2CF6-7F47-AF44-EE047E2E2AC3}" type="datetime1">
               <a:rPr lang="en-US" smtClean="0"/>
-              <a:t>6/9/18</a:t>
+              <a:t>10/27/22</a:t>
             </a:fld>
             <a:endParaRPr lang="en-US" dirty="0"/>
           </a:p>
@@ -2027,7 +2032,7 @@
             <a:fld id="{B61BEF0D-F0BB-DE4B-95CE-6DB70DBA9567}" type="datetimeFigureOut">
               <a:rPr lang="en-US" smtClean="0"/>
               <a:pPr/>
-              <a:t>6/9/18</a:t>
+              <a:t>10/27/22</a:t>
             </a:fld>
             <a:endParaRPr lang="en-US" dirty="0"/>
           </a:p>
@@ -2533,7 +2538,7 @@
           <a:p>
             <a:fld id="{795A9690-1D9E-C342-BA9A-A16859AE6575}" type="datetime1">
               <a:rPr lang="en-US" smtClean="0"/>
-              <a:t>6/9/18</a:t>
+              <a:t>10/27/22</a:t>
             </a:fld>
             <a:endParaRPr lang="en-US" dirty="0"/>
           </a:p>
@@ -2983,7 +2988,7 @@
           <a:p>
             <a:fld id="{E2986F92-1A65-2C44-B24F-1F893B70EC5D}" type="datetime1">
               <a:rPr lang="en-US" smtClean="0"/>
-              <a:t>6/9/18</a:t>
+              <a:t>10/27/22</a:t>
             </a:fld>
             <a:endParaRPr lang="en-US" dirty="0"/>
           </a:p>
@@ -3169,7 +3174,7 @@
           <a:p>
             <a:fld id="{02BD8AC5-6B65-354C-8A65-84445C911156}" type="datetime1">
               <a:rPr lang="en-US" smtClean="0"/>
-              <a:t>6/9/18</a:t>
+              <a:t>10/27/22</a:t>
             </a:fld>
             <a:endParaRPr lang="en-US" dirty="0"/>
           </a:p>
@@ -3293,7 +3298,7 @@
           <a:p>
             <a:fld id="{6C455870-DCDA-B149-8620-D9BBE8FABA2F}" type="datetime1">
               <a:rPr lang="en-US" smtClean="0"/>
-              <a:t>6/9/18</a:t>
+              <a:t>10/27/22</a:t>
             </a:fld>
             <a:endParaRPr lang="en-US" dirty="0"/>
           </a:p>
@@ -3700,7 +3705,7 @@
           <a:p>
             <a:fld id="{359BF4A9-F469-FE4C-84D7-0B7B477B19A0}" type="datetime1">
               <a:rPr lang="en-US" smtClean="0"/>
-              <a:t>6/9/18</a:t>
+              <a:t>10/27/22</a:t>
             </a:fld>
             <a:endParaRPr lang="en-US" dirty="0"/>
           </a:p>
@@ -4018,7 +4023,7 @@
           <a:p>
             <a:fld id="{CB6821B0-B58A-AA4E-9035-C0238677AA81}" type="datetime1">
               <a:rPr lang="en-US" smtClean="0"/>
-              <a:t>6/9/18</a:t>
+              <a:t>10/27/22</a:t>
             </a:fld>
             <a:endParaRPr lang="en-US" dirty="0"/>
           </a:p>
@@ -4378,7 +4383,7 @@
             </a:r>
             <a:fld id="{73CE5DB4-E529-2C42-91FA-B12AA950A0A2}" type="datetime1">
               <a:rPr lang="en-US" smtClean="0"/>
-              <a:t>6/9/18</a:t>
+              <a:t>10/27/22</a:t>
             </a:fld>
             <a:endParaRPr lang="en-US" dirty="0"/>
           </a:p>
@@ -5094,7 +5099,7 @@
             </a:r>
             <a:fld id="{693A40A6-2CF6-7F47-AF44-EE047E2E2AC3}" type="datetime1">
               <a:rPr lang="en-US" smtClean="0"/>
-              <a:t>6/9/18</a:t>
+              <a:t>10/27/22</a:t>
             </a:fld>
             <a:endParaRPr lang="en-US" dirty="0"/>
           </a:p>
@@ -5409,7 +5414,7 @@
             </a:r>
             <a:fld id="{CAF4CEF0-D3DA-E047-83E5-26DFF1BB7D79}" type="datetime1">
               <a:rPr lang="en-US" smtClean="0"/>
-              <a:t>6/9/18</a:t>
+              <a:t>10/27/22</a:t>
             </a:fld>
             <a:endParaRPr lang="en-US" dirty="0"/>
           </a:p>
@@ -5680,7 +5685,7 @@
             </a:r>
             <a:fld id="{2C875CD1-A79C-204A-B23C-B555B0EC76AE}" type="datetime1">
               <a:rPr lang="en-US" smtClean="0"/>
-              <a:t>6/9/18</a:t>
+              <a:t>10/27/22</a:t>
             </a:fld>
             <a:endParaRPr lang="en-US" dirty="0"/>
           </a:p>
@@ -5871,39 +5876,6 @@
       </p:sp>
       <p:sp>
         <p:nvSpPr>
-          <p:cNvPr id="4" name="Date Placeholder 3">
-            <a:extLst>
-              <a:ext uri="{FF2B5EF4-FFF2-40B4-BE49-F238E27FC236}">
-                <a16:creationId xmlns:a16="http://schemas.microsoft.com/office/drawing/2014/main" id="{7DBE8F70-3951-214D-97E8-69BBAA2487FB}"/>
-              </a:ext>
-            </a:extLst>
-          </p:cNvPr>
-          <p:cNvSpPr>
-            <a:spLocks noGrp="1"/>
-          </p:cNvSpPr>
-          <p:nvPr>
-            <p:ph type="dt" sz="half" idx="10"/>
-          </p:nvPr>
-        </p:nvSpPr>
-        <p:spPr/>
-        <p:txBody>
-          <a:bodyPr/>
-          <a:lstStyle/>
-          <a:p>
-            <a:r>
-              <a:rPr lang="en-US"/>
-              <a:t>Last Edit: </a:t>
-            </a:r>
-            <a:fld id="{94610F3C-9C5D-6442-8D67-932AD24CA357}" type="datetime1">
-              <a:rPr lang="en-US" smtClean="0"/>
-              <a:t>6/9/18</a:t>
-            </a:fld>
-            <a:endParaRPr lang="en-US" dirty="0"/>
-          </a:p>
-        </p:txBody>
-      </p:sp>
-      <p:sp>
-        <p:nvSpPr>
           <p:cNvPr id="5" name="Footer Placeholder 4">
             <a:extLst>
               <a:ext uri="{FF2B5EF4-FFF2-40B4-BE49-F238E27FC236}">
@@ -6046,7 +6018,7 @@
             </a:r>
             <a:fld id="{693A40A6-2CF6-7F47-AF44-EE047E2E2AC3}" type="datetime1">
               <a:rPr lang="en-US" smtClean="0"/>
-              <a:t>6/9/18</a:t>
+              <a:t>10/27/22</a:t>
             </a:fld>
             <a:endParaRPr lang="en-US" dirty="0"/>
           </a:p>
@@ -6324,7 +6296,7 @@
             </a:r>
             <a:fld id="{693A40A6-2CF6-7F47-AF44-EE047E2E2AC3}" type="datetime1">
               <a:rPr lang="en-US" smtClean="0"/>
-              <a:t>6/9/18</a:t>
+              <a:t>10/27/22</a:t>
             </a:fld>
             <a:endParaRPr lang="en-US" dirty="0"/>
           </a:p>
@@ -6552,7 +6524,7 @@
             </a:r>
             <a:fld id="{693A40A6-2CF6-7F47-AF44-EE047E2E2AC3}" type="datetime1">
               <a:rPr lang="en-US" smtClean="0"/>
-              <a:t>6/9/18</a:t>
+              <a:t>10/27/22</a:t>
             </a:fld>
             <a:endParaRPr lang="en-US" dirty="0"/>
           </a:p>
@@ -6774,7 +6746,7 @@
             </a:r>
             <a:fld id="{693A40A6-2CF6-7F47-AF44-EE047E2E2AC3}" type="datetime1">
               <a:rPr lang="en-US" smtClean="0"/>
-              <a:t>6/9/18</a:t>
+              <a:t>10/27/22</a:t>
             </a:fld>
             <a:endParaRPr lang="en-US" dirty="0"/>
           </a:p>
@@ -7065,7 +7037,7 @@
             </a:r>
             <a:fld id="{693A40A6-2CF6-7F47-AF44-EE047E2E2AC3}" type="datetime1">
               <a:rPr lang="en-US" smtClean="0"/>
-              <a:t>6/9/18</a:t>
+              <a:t>10/27/22</a:t>
             </a:fld>
             <a:endParaRPr lang="en-US" dirty="0"/>
           </a:p>
